--- a/ppt 16-9/1242.青年兴起.pptx
+++ b/ppt 16-9/1242.青年兴起.pptx
@@ -129,7 +129,7 @@
           <p:cNvPr id="2" name="标题 1">
             <a:extLst>
               <a:ext uri="{FF2B5EF4-FFF2-40B4-BE49-F238E27FC236}">
-                <a16:creationId xmlns:a16="http://schemas.microsoft.com/office/drawing/2014/main" id="{42165322-A1A8-0FBD-CC72-F5AC6BC239B9}"/>
+                <a16:creationId xmlns:a16="http://schemas.microsoft.com/office/drawing/2014/main" id="{3F00500A-E50A-657F-BAD3-D7CEC5C1AE9E}"/>
               </a:ext>
             </a:extLst>
           </p:cNvPr>
@@ -166,7 +166,7 @@
           <p:cNvPr id="3" name="副标题 2">
             <a:extLst>
               <a:ext uri="{FF2B5EF4-FFF2-40B4-BE49-F238E27FC236}">
-                <a16:creationId xmlns:a16="http://schemas.microsoft.com/office/drawing/2014/main" id="{0C08AF9D-594E-8085-1F1E-246575B8EAAF}"/>
+                <a16:creationId xmlns:a16="http://schemas.microsoft.com/office/drawing/2014/main" id="{F986DEC7-E6D9-9A38-6056-1C90CEA502D7}"/>
               </a:ext>
             </a:extLst>
           </p:cNvPr>
@@ -236,7 +236,7 @@
           <p:cNvPr id="4" name="日期占位符 3">
             <a:extLst>
               <a:ext uri="{FF2B5EF4-FFF2-40B4-BE49-F238E27FC236}">
-                <a16:creationId xmlns:a16="http://schemas.microsoft.com/office/drawing/2014/main" id="{47B6EAE0-216E-D4FF-860F-771C42CDA277}"/>
+                <a16:creationId xmlns:a16="http://schemas.microsoft.com/office/drawing/2014/main" id="{774842B6-78DD-431B-05E9-4CCA1AD37C86}"/>
               </a:ext>
             </a:extLst>
           </p:cNvPr>
@@ -252,7 +252,7 @@
           <a:bodyPr/>
           <a:lstStyle/>
           <a:p>
-            <a:fld id="{CD6ED553-C7CE-4350-B3E3-8634798BD6B5}" type="datetimeFigureOut">
+            <a:fld id="{A613A950-08F0-4569-B01B-3CD41771CA39}" type="datetimeFigureOut">
               <a:rPr lang="zh-CN" altLang="en-US" smtClean="0"/>
               <a:t>2024/3/10</a:t>
             </a:fld>
@@ -265,7 +265,7 @@
           <p:cNvPr id="5" name="页脚占位符 4">
             <a:extLst>
               <a:ext uri="{FF2B5EF4-FFF2-40B4-BE49-F238E27FC236}">
-                <a16:creationId xmlns:a16="http://schemas.microsoft.com/office/drawing/2014/main" id="{F8E07C4A-5901-23DD-B61B-047BE68104D1}"/>
+                <a16:creationId xmlns:a16="http://schemas.microsoft.com/office/drawing/2014/main" id="{B81B49AF-FDA0-5D3D-D287-E071CC05CB5C}"/>
               </a:ext>
             </a:extLst>
           </p:cNvPr>
@@ -290,7 +290,7 @@
           <p:cNvPr id="6" name="灯片编号占位符 5">
             <a:extLst>
               <a:ext uri="{FF2B5EF4-FFF2-40B4-BE49-F238E27FC236}">
-                <a16:creationId xmlns:a16="http://schemas.microsoft.com/office/drawing/2014/main" id="{683449A4-D678-B943-6E43-3A0A7BABB782}"/>
+                <a16:creationId xmlns:a16="http://schemas.microsoft.com/office/drawing/2014/main" id="{E07EC7A1-FD96-2E31-0110-3250B894322A}"/>
               </a:ext>
             </a:extLst>
           </p:cNvPr>
@@ -306,7 +306,7 @@
           <a:bodyPr/>
           <a:lstStyle/>
           <a:p>
-            <a:fld id="{377AD750-A014-430F-9A57-2779E17AFEC1}" type="slidenum">
+            <a:fld id="{B07B7306-877A-470C-A301-038763B79A2B}" type="slidenum">
               <a:rPr lang="zh-CN" altLang="en-US" smtClean="0"/>
               <a:t>‹#›</a:t>
             </a:fld>
@@ -317,7 +317,7 @@
     </p:spTree>
     <p:extLst>
       <p:ext uri="{BB962C8B-B14F-4D97-AF65-F5344CB8AC3E}">
-        <p14:creationId xmlns:p14="http://schemas.microsoft.com/office/powerpoint/2010/main" val="3861390872"/>
+        <p14:creationId xmlns:p14="http://schemas.microsoft.com/office/powerpoint/2010/main" val="1399300257"/>
       </p:ext>
     </p:extLst>
   </p:cSld>
@@ -349,7 +349,7 @@
           <p:cNvPr id="2" name="标题 1">
             <a:extLst>
               <a:ext uri="{FF2B5EF4-FFF2-40B4-BE49-F238E27FC236}">
-                <a16:creationId xmlns:a16="http://schemas.microsoft.com/office/drawing/2014/main" id="{75FA1364-5C3E-5DBD-EF20-F76B1110AC94}"/>
+                <a16:creationId xmlns:a16="http://schemas.microsoft.com/office/drawing/2014/main" id="{907EB5AB-E816-348D-5CE9-09235A8C63F4}"/>
               </a:ext>
             </a:extLst>
           </p:cNvPr>
@@ -377,7 +377,7 @@
           <p:cNvPr id="3" name="竖排文字占位符 2">
             <a:extLst>
               <a:ext uri="{FF2B5EF4-FFF2-40B4-BE49-F238E27FC236}">
-                <a16:creationId xmlns:a16="http://schemas.microsoft.com/office/drawing/2014/main" id="{6379306E-45AB-2301-73FE-9D9A463951A4}"/>
+                <a16:creationId xmlns:a16="http://schemas.microsoft.com/office/drawing/2014/main" id="{98603D3B-12A3-85F7-38B0-7A5F61B10FA3}"/>
               </a:ext>
             </a:extLst>
           </p:cNvPr>
@@ -434,7 +434,7 @@
           <p:cNvPr id="4" name="日期占位符 3">
             <a:extLst>
               <a:ext uri="{FF2B5EF4-FFF2-40B4-BE49-F238E27FC236}">
-                <a16:creationId xmlns:a16="http://schemas.microsoft.com/office/drawing/2014/main" id="{82B044C4-F4D0-32CB-58DA-22A79B62F863}"/>
+                <a16:creationId xmlns:a16="http://schemas.microsoft.com/office/drawing/2014/main" id="{40C22B69-4E55-77A5-80E7-5917DE3AE94E}"/>
               </a:ext>
             </a:extLst>
           </p:cNvPr>
@@ -450,7 +450,7 @@
           <a:bodyPr/>
           <a:lstStyle/>
           <a:p>
-            <a:fld id="{CD6ED553-C7CE-4350-B3E3-8634798BD6B5}" type="datetimeFigureOut">
+            <a:fld id="{A613A950-08F0-4569-B01B-3CD41771CA39}" type="datetimeFigureOut">
               <a:rPr lang="zh-CN" altLang="en-US" smtClean="0"/>
               <a:t>2024/3/10</a:t>
             </a:fld>
@@ -463,7 +463,7 @@
           <p:cNvPr id="5" name="页脚占位符 4">
             <a:extLst>
               <a:ext uri="{FF2B5EF4-FFF2-40B4-BE49-F238E27FC236}">
-                <a16:creationId xmlns:a16="http://schemas.microsoft.com/office/drawing/2014/main" id="{86EB1F21-621E-419C-1F29-785B67432A7E}"/>
+                <a16:creationId xmlns:a16="http://schemas.microsoft.com/office/drawing/2014/main" id="{FE092FBD-D403-02C7-DB16-60F6BF131BBF}"/>
               </a:ext>
             </a:extLst>
           </p:cNvPr>
@@ -488,7 +488,7 @@
           <p:cNvPr id="6" name="灯片编号占位符 5">
             <a:extLst>
               <a:ext uri="{FF2B5EF4-FFF2-40B4-BE49-F238E27FC236}">
-                <a16:creationId xmlns:a16="http://schemas.microsoft.com/office/drawing/2014/main" id="{E8783A9B-840A-F98F-BD9D-FE2851B3EF63}"/>
+                <a16:creationId xmlns:a16="http://schemas.microsoft.com/office/drawing/2014/main" id="{7D5A6500-9A40-DA84-02C9-8123D010F81B}"/>
               </a:ext>
             </a:extLst>
           </p:cNvPr>
@@ -504,7 +504,7 @@
           <a:bodyPr/>
           <a:lstStyle/>
           <a:p>
-            <a:fld id="{377AD750-A014-430F-9A57-2779E17AFEC1}" type="slidenum">
+            <a:fld id="{B07B7306-877A-470C-A301-038763B79A2B}" type="slidenum">
               <a:rPr lang="zh-CN" altLang="en-US" smtClean="0"/>
               <a:t>‹#›</a:t>
             </a:fld>
@@ -515,7 +515,7 @@
     </p:spTree>
     <p:extLst>
       <p:ext uri="{BB962C8B-B14F-4D97-AF65-F5344CB8AC3E}">
-        <p14:creationId xmlns:p14="http://schemas.microsoft.com/office/powerpoint/2010/main" val="1386945095"/>
+        <p14:creationId xmlns:p14="http://schemas.microsoft.com/office/powerpoint/2010/main" val="153458414"/>
       </p:ext>
     </p:extLst>
   </p:cSld>
@@ -547,7 +547,7 @@
           <p:cNvPr id="2" name="竖排标题 1">
             <a:extLst>
               <a:ext uri="{FF2B5EF4-FFF2-40B4-BE49-F238E27FC236}">
-                <a16:creationId xmlns:a16="http://schemas.microsoft.com/office/drawing/2014/main" id="{EED19AD2-DF43-7F3D-495E-B2D74A60AA87}"/>
+                <a16:creationId xmlns:a16="http://schemas.microsoft.com/office/drawing/2014/main" id="{124919D3-EDB5-5357-DCC7-AF2A58AF707E}"/>
               </a:ext>
             </a:extLst>
           </p:cNvPr>
@@ -580,7 +580,7 @@
           <p:cNvPr id="3" name="竖排文字占位符 2">
             <a:extLst>
               <a:ext uri="{FF2B5EF4-FFF2-40B4-BE49-F238E27FC236}">
-                <a16:creationId xmlns:a16="http://schemas.microsoft.com/office/drawing/2014/main" id="{9DB19B6B-3BDA-B146-8E66-92D1CB38DBC6}"/>
+                <a16:creationId xmlns:a16="http://schemas.microsoft.com/office/drawing/2014/main" id="{D94DFB75-507F-CE0C-3875-E2AE4CDDC8CB}"/>
               </a:ext>
             </a:extLst>
           </p:cNvPr>
@@ -642,7 +642,7 @@
           <p:cNvPr id="4" name="日期占位符 3">
             <a:extLst>
               <a:ext uri="{FF2B5EF4-FFF2-40B4-BE49-F238E27FC236}">
-                <a16:creationId xmlns:a16="http://schemas.microsoft.com/office/drawing/2014/main" id="{3CEE9C28-FFC4-9BA9-F582-B0F4C595A8C7}"/>
+                <a16:creationId xmlns:a16="http://schemas.microsoft.com/office/drawing/2014/main" id="{EAC549C5-B13A-3F26-6664-5E3F63285578}"/>
               </a:ext>
             </a:extLst>
           </p:cNvPr>
@@ -658,7 +658,7 @@
           <a:bodyPr/>
           <a:lstStyle/>
           <a:p>
-            <a:fld id="{CD6ED553-C7CE-4350-B3E3-8634798BD6B5}" type="datetimeFigureOut">
+            <a:fld id="{A613A950-08F0-4569-B01B-3CD41771CA39}" type="datetimeFigureOut">
               <a:rPr lang="zh-CN" altLang="en-US" smtClean="0"/>
               <a:t>2024/3/10</a:t>
             </a:fld>
@@ -671,7 +671,7 @@
           <p:cNvPr id="5" name="页脚占位符 4">
             <a:extLst>
               <a:ext uri="{FF2B5EF4-FFF2-40B4-BE49-F238E27FC236}">
-                <a16:creationId xmlns:a16="http://schemas.microsoft.com/office/drawing/2014/main" id="{1CAA8DEB-177F-D584-3C5F-246DB93B9173}"/>
+                <a16:creationId xmlns:a16="http://schemas.microsoft.com/office/drawing/2014/main" id="{7DAD97C3-B930-F2FF-6028-F99A7D3A37BB}"/>
               </a:ext>
             </a:extLst>
           </p:cNvPr>
@@ -696,7 +696,7 @@
           <p:cNvPr id="6" name="灯片编号占位符 5">
             <a:extLst>
               <a:ext uri="{FF2B5EF4-FFF2-40B4-BE49-F238E27FC236}">
-                <a16:creationId xmlns:a16="http://schemas.microsoft.com/office/drawing/2014/main" id="{23A9AF91-3FC3-EE8A-A107-B5114B965EAD}"/>
+                <a16:creationId xmlns:a16="http://schemas.microsoft.com/office/drawing/2014/main" id="{0E38114F-57AD-D569-95FD-A09E8691092D}"/>
               </a:ext>
             </a:extLst>
           </p:cNvPr>
@@ -712,7 +712,7 @@
           <a:bodyPr/>
           <a:lstStyle/>
           <a:p>
-            <a:fld id="{377AD750-A014-430F-9A57-2779E17AFEC1}" type="slidenum">
+            <a:fld id="{B07B7306-877A-470C-A301-038763B79A2B}" type="slidenum">
               <a:rPr lang="zh-CN" altLang="en-US" smtClean="0"/>
               <a:t>‹#›</a:t>
             </a:fld>
@@ -723,7 +723,7 @@
     </p:spTree>
     <p:extLst>
       <p:ext uri="{BB962C8B-B14F-4D97-AF65-F5344CB8AC3E}">
-        <p14:creationId xmlns:p14="http://schemas.microsoft.com/office/powerpoint/2010/main" val="566037625"/>
+        <p14:creationId xmlns:p14="http://schemas.microsoft.com/office/powerpoint/2010/main" val="3596645217"/>
       </p:ext>
     </p:extLst>
   </p:cSld>
@@ -755,7 +755,7 @@
           <p:cNvPr id="2" name="标题 1">
             <a:extLst>
               <a:ext uri="{FF2B5EF4-FFF2-40B4-BE49-F238E27FC236}">
-                <a16:creationId xmlns:a16="http://schemas.microsoft.com/office/drawing/2014/main" id="{5F438F42-E3CF-92DC-156E-32457C084F31}"/>
+                <a16:creationId xmlns:a16="http://schemas.microsoft.com/office/drawing/2014/main" id="{92C8AAAC-0901-BCEF-6C54-A2A99451B3D6}"/>
               </a:ext>
             </a:extLst>
           </p:cNvPr>
@@ -783,7 +783,7 @@
           <p:cNvPr id="3" name="内容占位符 2">
             <a:extLst>
               <a:ext uri="{FF2B5EF4-FFF2-40B4-BE49-F238E27FC236}">
-                <a16:creationId xmlns:a16="http://schemas.microsoft.com/office/drawing/2014/main" id="{A196C101-F693-B063-EC83-30D0E0E0D964}"/>
+                <a16:creationId xmlns:a16="http://schemas.microsoft.com/office/drawing/2014/main" id="{1E2DB7CE-A5DD-EB6E-3902-58EE0EED51FF}"/>
               </a:ext>
             </a:extLst>
           </p:cNvPr>
@@ -840,7 +840,7 @@
           <p:cNvPr id="4" name="日期占位符 3">
             <a:extLst>
               <a:ext uri="{FF2B5EF4-FFF2-40B4-BE49-F238E27FC236}">
-                <a16:creationId xmlns:a16="http://schemas.microsoft.com/office/drawing/2014/main" id="{A66ED59A-FA66-32A5-B0DA-C5C553F96430}"/>
+                <a16:creationId xmlns:a16="http://schemas.microsoft.com/office/drawing/2014/main" id="{B697EF70-F15F-7A0B-EECF-05F4A8460FA2}"/>
               </a:ext>
             </a:extLst>
           </p:cNvPr>
@@ -856,7 +856,7 @@
           <a:bodyPr/>
           <a:lstStyle/>
           <a:p>
-            <a:fld id="{CD6ED553-C7CE-4350-B3E3-8634798BD6B5}" type="datetimeFigureOut">
+            <a:fld id="{A613A950-08F0-4569-B01B-3CD41771CA39}" type="datetimeFigureOut">
               <a:rPr lang="zh-CN" altLang="en-US" smtClean="0"/>
               <a:t>2024/3/10</a:t>
             </a:fld>
@@ -869,7 +869,7 @@
           <p:cNvPr id="5" name="页脚占位符 4">
             <a:extLst>
               <a:ext uri="{FF2B5EF4-FFF2-40B4-BE49-F238E27FC236}">
-                <a16:creationId xmlns:a16="http://schemas.microsoft.com/office/drawing/2014/main" id="{B2E319F8-F0AF-F392-0E8F-9A60285D0075}"/>
+                <a16:creationId xmlns:a16="http://schemas.microsoft.com/office/drawing/2014/main" id="{118B5229-FE00-E564-7A26-C92C532DC215}"/>
               </a:ext>
             </a:extLst>
           </p:cNvPr>
@@ -894,7 +894,7 @@
           <p:cNvPr id="6" name="灯片编号占位符 5">
             <a:extLst>
               <a:ext uri="{FF2B5EF4-FFF2-40B4-BE49-F238E27FC236}">
-                <a16:creationId xmlns:a16="http://schemas.microsoft.com/office/drawing/2014/main" id="{19E78483-D5D7-CBF5-B637-4F45E1E7CFC1}"/>
+                <a16:creationId xmlns:a16="http://schemas.microsoft.com/office/drawing/2014/main" id="{2A7A5948-94AC-5366-0881-49A3AD07454A}"/>
               </a:ext>
             </a:extLst>
           </p:cNvPr>
@@ -910,7 +910,7 @@
           <a:bodyPr/>
           <a:lstStyle/>
           <a:p>
-            <a:fld id="{377AD750-A014-430F-9A57-2779E17AFEC1}" type="slidenum">
+            <a:fld id="{B07B7306-877A-470C-A301-038763B79A2B}" type="slidenum">
               <a:rPr lang="zh-CN" altLang="en-US" smtClean="0"/>
               <a:t>‹#›</a:t>
             </a:fld>
@@ -921,7 +921,7 @@
     </p:spTree>
     <p:extLst>
       <p:ext uri="{BB962C8B-B14F-4D97-AF65-F5344CB8AC3E}">
-        <p14:creationId xmlns:p14="http://schemas.microsoft.com/office/powerpoint/2010/main" val="3672094301"/>
+        <p14:creationId xmlns:p14="http://schemas.microsoft.com/office/powerpoint/2010/main" val="3349856787"/>
       </p:ext>
     </p:extLst>
   </p:cSld>
@@ -953,7 +953,7 @@
           <p:cNvPr id="2" name="标题 1">
             <a:extLst>
               <a:ext uri="{FF2B5EF4-FFF2-40B4-BE49-F238E27FC236}">
-                <a16:creationId xmlns:a16="http://schemas.microsoft.com/office/drawing/2014/main" id="{484554BF-027B-68FE-453C-01CCF1856404}"/>
+                <a16:creationId xmlns:a16="http://schemas.microsoft.com/office/drawing/2014/main" id="{AF8FC5DE-4076-72E6-A3B4-CA9EB9F1DAB8}"/>
               </a:ext>
             </a:extLst>
           </p:cNvPr>
@@ -990,7 +990,7 @@
           <p:cNvPr id="3" name="文本占位符 2">
             <a:extLst>
               <a:ext uri="{FF2B5EF4-FFF2-40B4-BE49-F238E27FC236}">
-                <a16:creationId xmlns:a16="http://schemas.microsoft.com/office/drawing/2014/main" id="{431C0146-7B92-09DB-81EB-580C7C4DCA37}"/>
+                <a16:creationId xmlns:a16="http://schemas.microsoft.com/office/drawing/2014/main" id="{27E3F5F9-6BDD-6C77-6832-AEF76A9925F3}"/>
               </a:ext>
             </a:extLst>
           </p:cNvPr>
@@ -1115,7 +1115,7 @@
           <p:cNvPr id="4" name="日期占位符 3">
             <a:extLst>
               <a:ext uri="{FF2B5EF4-FFF2-40B4-BE49-F238E27FC236}">
-                <a16:creationId xmlns:a16="http://schemas.microsoft.com/office/drawing/2014/main" id="{3F67ECA8-56DB-2DED-4EB4-FF844FAA7A1D}"/>
+                <a16:creationId xmlns:a16="http://schemas.microsoft.com/office/drawing/2014/main" id="{ABFBFC82-E157-2FAA-F7F4-50504E3F4C2B}"/>
               </a:ext>
             </a:extLst>
           </p:cNvPr>
@@ -1131,7 +1131,7 @@
           <a:bodyPr/>
           <a:lstStyle/>
           <a:p>
-            <a:fld id="{CD6ED553-C7CE-4350-B3E3-8634798BD6B5}" type="datetimeFigureOut">
+            <a:fld id="{A613A950-08F0-4569-B01B-3CD41771CA39}" type="datetimeFigureOut">
               <a:rPr lang="zh-CN" altLang="en-US" smtClean="0"/>
               <a:t>2024/3/10</a:t>
             </a:fld>
@@ -1144,7 +1144,7 @@
           <p:cNvPr id="5" name="页脚占位符 4">
             <a:extLst>
               <a:ext uri="{FF2B5EF4-FFF2-40B4-BE49-F238E27FC236}">
-                <a16:creationId xmlns:a16="http://schemas.microsoft.com/office/drawing/2014/main" id="{090CCB4F-19A2-25ED-2AAD-6C07386F5C83}"/>
+                <a16:creationId xmlns:a16="http://schemas.microsoft.com/office/drawing/2014/main" id="{B51C2C27-0076-F718-B83B-AFFD9071C591}"/>
               </a:ext>
             </a:extLst>
           </p:cNvPr>
@@ -1169,7 +1169,7 @@
           <p:cNvPr id="6" name="灯片编号占位符 5">
             <a:extLst>
               <a:ext uri="{FF2B5EF4-FFF2-40B4-BE49-F238E27FC236}">
-                <a16:creationId xmlns:a16="http://schemas.microsoft.com/office/drawing/2014/main" id="{12CD11A4-D85B-8045-D333-375295F74C36}"/>
+                <a16:creationId xmlns:a16="http://schemas.microsoft.com/office/drawing/2014/main" id="{ACF6B25A-7CC6-6F40-5A57-20AB434970AA}"/>
               </a:ext>
             </a:extLst>
           </p:cNvPr>
@@ -1185,7 +1185,7 @@
           <a:bodyPr/>
           <a:lstStyle/>
           <a:p>
-            <a:fld id="{377AD750-A014-430F-9A57-2779E17AFEC1}" type="slidenum">
+            <a:fld id="{B07B7306-877A-470C-A301-038763B79A2B}" type="slidenum">
               <a:rPr lang="zh-CN" altLang="en-US" smtClean="0"/>
               <a:t>‹#›</a:t>
             </a:fld>
@@ -1196,7 +1196,7 @@
     </p:spTree>
     <p:extLst>
       <p:ext uri="{BB962C8B-B14F-4D97-AF65-F5344CB8AC3E}">
-        <p14:creationId xmlns:p14="http://schemas.microsoft.com/office/powerpoint/2010/main" val="980486679"/>
+        <p14:creationId xmlns:p14="http://schemas.microsoft.com/office/powerpoint/2010/main" val="2765966064"/>
       </p:ext>
     </p:extLst>
   </p:cSld>
@@ -1228,7 +1228,7 @@
           <p:cNvPr id="2" name="标题 1">
             <a:extLst>
               <a:ext uri="{FF2B5EF4-FFF2-40B4-BE49-F238E27FC236}">
-                <a16:creationId xmlns:a16="http://schemas.microsoft.com/office/drawing/2014/main" id="{E1658BBA-B315-5A9F-C5BA-46B5285E6057}"/>
+                <a16:creationId xmlns:a16="http://schemas.microsoft.com/office/drawing/2014/main" id="{9E06A845-0A14-9AC7-8D83-02E198A24048}"/>
               </a:ext>
             </a:extLst>
           </p:cNvPr>
@@ -1256,7 +1256,7 @@
           <p:cNvPr id="3" name="内容占位符 2">
             <a:extLst>
               <a:ext uri="{FF2B5EF4-FFF2-40B4-BE49-F238E27FC236}">
-                <a16:creationId xmlns:a16="http://schemas.microsoft.com/office/drawing/2014/main" id="{835BCC93-5E4D-C66C-284A-8051C0B44C0E}"/>
+                <a16:creationId xmlns:a16="http://schemas.microsoft.com/office/drawing/2014/main" id="{EE8D27FF-999A-15DB-088A-D03025B69521}"/>
               </a:ext>
             </a:extLst>
           </p:cNvPr>
@@ -1318,7 +1318,7 @@
           <p:cNvPr id="4" name="内容占位符 3">
             <a:extLst>
               <a:ext uri="{FF2B5EF4-FFF2-40B4-BE49-F238E27FC236}">
-                <a16:creationId xmlns:a16="http://schemas.microsoft.com/office/drawing/2014/main" id="{00B6D101-5A14-D1D1-9937-C74AD4A07D55}"/>
+                <a16:creationId xmlns:a16="http://schemas.microsoft.com/office/drawing/2014/main" id="{05E118FE-3654-55B2-E699-9743F96264D1}"/>
               </a:ext>
             </a:extLst>
           </p:cNvPr>
@@ -1380,7 +1380,7 @@
           <p:cNvPr id="5" name="日期占位符 4">
             <a:extLst>
               <a:ext uri="{FF2B5EF4-FFF2-40B4-BE49-F238E27FC236}">
-                <a16:creationId xmlns:a16="http://schemas.microsoft.com/office/drawing/2014/main" id="{A0344204-2F5D-B051-B181-A286C818FACD}"/>
+                <a16:creationId xmlns:a16="http://schemas.microsoft.com/office/drawing/2014/main" id="{8FE0EB80-476D-CFD1-DFC7-56CB29AFF3D0}"/>
               </a:ext>
             </a:extLst>
           </p:cNvPr>
@@ -1396,7 +1396,7 @@
           <a:bodyPr/>
           <a:lstStyle/>
           <a:p>
-            <a:fld id="{CD6ED553-C7CE-4350-B3E3-8634798BD6B5}" type="datetimeFigureOut">
+            <a:fld id="{A613A950-08F0-4569-B01B-3CD41771CA39}" type="datetimeFigureOut">
               <a:rPr lang="zh-CN" altLang="en-US" smtClean="0"/>
               <a:t>2024/3/10</a:t>
             </a:fld>
@@ -1409,7 +1409,7 @@
           <p:cNvPr id="6" name="页脚占位符 5">
             <a:extLst>
               <a:ext uri="{FF2B5EF4-FFF2-40B4-BE49-F238E27FC236}">
-                <a16:creationId xmlns:a16="http://schemas.microsoft.com/office/drawing/2014/main" id="{DE7B0EF5-24D2-A897-DFE0-9FB06B720717}"/>
+                <a16:creationId xmlns:a16="http://schemas.microsoft.com/office/drawing/2014/main" id="{DAFCD4E7-56B1-0621-7E8D-CA2549BBEC6B}"/>
               </a:ext>
             </a:extLst>
           </p:cNvPr>
@@ -1434,7 +1434,7 @@
           <p:cNvPr id="7" name="灯片编号占位符 6">
             <a:extLst>
               <a:ext uri="{FF2B5EF4-FFF2-40B4-BE49-F238E27FC236}">
-                <a16:creationId xmlns:a16="http://schemas.microsoft.com/office/drawing/2014/main" id="{1E28D2D3-8D7E-B1BE-BA50-44E742E4D81E}"/>
+                <a16:creationId xmlns:a16="http://schemas.microsoft.com/office/drawing/2014/main" id="{4A741385-E8C5-F37B-BCE7-C775CDF8FB80}"/>
               </a:ext>
             </a:extLst>
           </p:cNvPr>
@@ -1450,7 +1450,7 @@
           <a:bodyPr/>
           <a:lstStyle/>
           <a:p>
-            <a:fld id="{377AD750-A014-430F-9A57-2779E17AFEC1}" type="slidenum">
+            <a:fld id="{B07B7306-877A-470C-A301-038763B79A2B}" type="slidenum">
               <a:rPr lang="zh-CN" altLang="en-US" smtClean="0"/>
               <a:t>‹#›</a:t>
             </a:fld>
@@ -1461,7 +1461,7 @@
     </p:spTree>
     <p:extLst>
       <p:ext uri="{BB962C8B-B14F-4D97-AF65-F5344CB8AC3E}">
-        <p14:creationId xmlns:p14="http://schemas.microsoft.com/office/powerpoint/2010/main" val="4182179137"/>
+        <p14:creationId xmlns:p14="http://schemas.microsoft.com/office/powerpoint/2010/main" val="1538362482"/>
       </p:ext>
     </p:extLst>
   </p:cSld>
@@ -1493,7 +1493,7 @@
           <p:cNvPr id="2" name="标题 1">
             <a:extLst>
               <a:ext uri="{FF2B5EF4-FFF2-40B4-BE49-F238E27FC236}">
-                <a16:creationId xmlns:a16="http://schemas.microsoft.com/office/drawing/2014/main" id="{E26C7C74-28E7-FBBC-2E4B-FAC59393B803}"/>
+                <a16:creationId xmlns:a16="http://schemas.microsoft.com/office/drawing/2014/main" id="{1F4ECB7F-429B-2725-6CBB-93791FD124C3}"/>
               </a:ext>
             </a:extLst>
           </p:cNvPr>
@@ -1526,7 +1526,7 @@
           <p:cNvPr id="3" name="文本占位符 2">
             <a:extLst>
               <a:ext uri="{FF2B5EF4-FFF2-40B4-BE49-F238E27FC236}">
-                <a16:creationId xmlns:a16="http://schemas.microsoft.com/office/drawing/2014/main" id="{6E2EC555-AAE9-BD6C-8032-5815DCADD367}"/>
+                <a16:creationId xmlns:a16="http://schemas.microsoft.com/office/drawing/2014/main" id="{82E8A41D-1238-48D2-59FD-78D829C92B72}"/>
               </a:ext>
             </a:extLst>
           </p:cNvPr>
@@ -1597,7 +1597,7 @@
           <p:cNvPr id="4" name="内容占位符 3">
             <a:extLst>
               <a:ext uri="{FF2B5EF4-FFF2-40B4-BE49-F238E27FC236}">
-                <a16:creationId xmlns:a16="http://schemas.microsoft.com/office/drawing/2014/main" id="{FD2E72B4-301E-F1D6-87AD-D3EA2686A99A}"/>
+                <a16:creationId xmlns:a16="http://schemas.microsoft.com/office/drawing/2014/main" id="{53ABAAF0-BC8B-5EED-66DC-476664D4E19D}"/>
               </a:ext>
             </a:extLst>
           </p:cNvPr>
@@ -1659,7 +1659,7 @@
           <p:cNvPr id="5" name="文本占位符 4">
             <a:extLst>
               <a:ext uri="{FF2B5EF4-FFF2-40B4-BE49-F238E27FC236}">
-                <a16:creationId xmlns:a16="http://schemas.microsoft.com/office/drawing/2014/main" id="{DCD64E09-6581-3668-9F36-36817317B9EA}"/>
+                <a16:creationId xmlns:a16="http://schemas.microsoft.com/office/drawing/2014/main" id="{68CA953D-674B-38E1-E54B-954B546579AA}"/>
               </a:ext>
             </a:extLst>
           </p:cNvPr>
@@ -1730,7 +1730,7 @@
           <p:cNvPr id="6" name="内容占位符 5">
             <a:extLst>
               <a:ext uri="{FF2B5EF4-FFF2-40B4-BE49-F238E27FC236}">
-                <a16:creationId xmlns:a16="http://schemas.microsoft.com/office/drawing/2014/main" id="{60354CCD-7457-9427-588A-EAEBF3C929CB}"/>
+                <a16:creationId xmlns:a16="http://schemas.microsoft.com/office/drawing/2014/main" id="{E0BF7CB6-9DD3-CCD2-7E0C-BFA34FEEA229}"/>
               </a:ext>
             </a:extLst>
           </p:cNvPr>
@@ -1792,7 +1792,7 @@
           <p:cNvPr id="7" name="日期占位符 6">
             <a:extLst>
               <a:ext uri="{FF2B5EF4-FFF2-40B4-BE49-F238E27FC236}">
-                <a16:creationId xmlns:a16="http://schemas.microsoft.com/office/drawing/2014/main" id="{35A50B72-B4A3-59EC-5CDA-B5FDB9A40F2C}"/>
+                <a16:creationId xmlns:a16="http://schemas.microsoft.com/office/drawing/2014/main" id="{061E81E6-D012-53ED-2E8C-1FBBD9922106}"/>
               </a:ext>
             </a:extLst>
           </p:cNvPr>
@@ -1808,7 +1808,7 @@
           <a:bodyPr/>
           <a:lstStyle/>
           <a:p>
-            <a:fld id="{CD6ED553-C7CE-4350-B3E3-8634798BD6B5}" type="datetimeFigureOut">
+            <a:fld id="{A613A950-08F0-4569-B01B-3CD41771CA39}" type="datetimeFigureOut">
               <a:rPr lang="zh-CN" altLang="en-US" smtClean="0"/>
               <a:t>2024/3/10</a:t>
             </a:fld>
@@ -1821,7 +1821,7 @@
           <p:cNvPr id="8" name="页脚占位符 7">
             <a:extLst>
               <a:ext uri="{FF2B5EF4-FFF2-40B4-BE49-F238E27FC236}">
-                <a16:creationId xmlns:a16="http://schemas.microsoft.com/office/drawing/2014/main" id="{2AC38517-82C9-69CE-B917-C4952E0EFB07}"/>
+                <a16:creationId xmlns:a16="http://schemas.microsoft.com/office/drawing/2014/main" id="{F0F1DFB2-F7DE-A899-FC23-57FD9139364B}"/>
               </a:ext>
             </a:extLst>
           </p:cNvPr>
@@ -1846,7 +1846,7 @@
           <p:cNvPr id="9" name="灯片编号占位符 8">
             <a:extLst>
               <a:ext uri="{FF2B5EF4-FFF2-40B4-BE49-F238E27FC236}">
-                <a16:creationId xmlns:a16="http://schemas.microsoft.com/office/drawing/2014/main" id="{EE84CBED-85B6-8EAD-7F3A-586F47B9AF0C}"/>
+                <a16:creationId xmlns:a16="http://schemas.microsoft.com/office/drawing/2014/main" id="{884EEE5B-DC15-9F28-43EA-DE4B6BA6B58D}"/>
               </a:ext>
             </a:extLst>
           </p:cNvPr>
@@ -1862,7 +1862,7 @@
           <a:bodyPr/>
           <a:lstStyle/>
           <a:p>
-            <a:fld id="{377AD750-A014-430F-9A57-2779E17AFEC1}" type="slidenum">
+            <a:fld id="{B07B7306-877A-470C-A301-038763B79A2B}" type="slidenum">
               <a:rPr lang="zh-CN" altLang="en-US" smtClean="0"/>
               <a:t>‹#›</a:t>
             </a:fld>
@@ -1873,7 +1873,7 @@
     </p:spTree>
     <p:extLst>
       <p:ext uri="{BB962C8B-B14F-4D97-AF65-F5344CB8AC3E}">
-        <p14:creationId xmlns:p14="http://schemas.microsoft.com/office/powerpoint/2010/main" val="1205637621"/>
+        <p14:creationId xmlns:p14="http://schemas.microsoft.com/office/powerpoint/2010/main" val="532387888"/>
       </p:ext>
     </p:extLst>
   </p:cSld>
@@ -1905,7 +1905,7 @@
           <p:cNvPr id="2" name="标题 1">
             <a:extLst>
               <a:ext uri="{FF2B5EF4-FFF2-40B4-BE49-F238E27FC236}">
-                <a16:creationId xmlns:a16="http://schemas.microsoft.com/office/drawing/2014/main" id="{C8F02174-9A9D-4F7F-E8A2-AE10FFABFF51}"/>
+                <a16:creationId xmlns:a16="http://schemas.microsoft.com/office/drawing/2014/main" id="{5510A9D7-A450-D0CB-89AA-41C62E0B7258}"/>
               </a:ext>
             </a:extLst>
           </p:cNvPr>
@@ -1933,7 +1933,7 @@
           <p:cNvPr id="3" name="日期占位符 2">
             <a:extLst>
               <a:ext uri="{FF2B5EF4-FFF2-40B4-BE49-F238E27FC236}">
-                <a16:creationId xmlns:a16="http://schemas.microsoft.com/office/drawing/2014/main" id="{ADFE4CF7-AE93-452B-0695-07497B019903}"/>
+                <a16:creationId xmlns:a16="http://schemas.microsoft.com/office/drawing/2014/main" id="{4D9DA456-5051-8E29-8829-FF25D172BBC5}"/>
               </a:ext>
             </a:extLst>
           </p:cNvPr>
@@ -1949,7 +1949,7 @@
           <a:bodyPr/>
           <a:lstStyle/>
           <a:p>
-            <a:fld id="{CD6ED553-C7CE-4350-B3E3-8634798BD6B5}" type="datetimeFigureOut">
+            <a:fld id="{A613A950-08F0-4569-B01B-3CD41771CA39}" type="datetimeFigureOut">
               <a:rPr lang="zh-CN" altLang="en-US" smtClean="0"/>
               <a:t>2024/3/10</a:t>
             </a:fld>
@@ -1962,7 +1962,7 @@
           <p:cNvPr id="4" name="页脚占位符 3">
             <a:extLst>
               <a:ext uri="{FF2B5EF4-FFF2-40B4-BE49-F238E27FC236}">
-                <a16:creationId xmlns:a16="http://schemas.microsoft.com/office/drawing/2014/main" id="{CF64AEC1-8424-2E8E-865B-71A8485132A5}"/>
+                <a16:creationId xmlns:a16="http://schemas.microsoft.com/office/drawing/2014/main" id="{B6B8A87B-CE35-34B8-D054-8937DD836A1F}"/>
               </a:ext>
             </a:extLst>
           </p:cNvPr>
@@ -1987,7 +1987,7 @@
           <p:cNvPr id="5" name="灯片编号占位符 4">
             <a:extLst>
               <a:ext uri="{FF2B5EF4-FFF2-40B4-BE49-F238E27FC236}">
-                <a16:creationId xmlns:a16="http://schemas.microsoft.com/office/drawing/2014/main" id="{7BACF4D8-06BC-1D8C-3C32-577A1D281E44}"/>
+                <a16:creationId xmlns:a16="http://schemas.microsoft.com/office/drawing/2014/main" id="{22FECBC2-732C-29C4-6D3D-D716F3514FC3}"/>
               </a:ext>
             </a:extLst>
           </p:cNvPr>
@@ -2003,7 +2003,7 @@
           <a:bodyPr/>
           <a:lstStyle/>
           <a:p>
-            <a:fld id="{377AD750-A014-430F-9A57-2779E17AFEC1}" type="slidenum">
+            <a:fld id="{B07B7306-877A-470C-A301-038763B79A2B}" type="slidenum">
               <a:rPr lang="zh-CN" altLang="en-US" smtClean="0"/>
               <a:t>‹#›</a:t>
             </a:fld>
@@ -2014,7 +2014,7 @@
     </p:spTree>
     <p:extLst>
       <p:ext uri="{BB962C8B-B14F-4D97-AF65-F5344CB8AC3E}">
-        <p14:creationId xmlns:p14="http://schemas.microsoft.com/office/powerpoint/2010/main" val="2784308116"/>
+        <p14:creationId xmlns:p14="http://schemas.microsoft.com/office/powerpoint/2010/main" val="3550002580"/>
       </p:ext>
     </p:extLst>
   </p:cSld>
@@ -2046,7 +2046,7 @@
           <p:cNvPr id="2" name="日期占位符 1">
             <a:extLst>
               <a:ext uri="{FF2B5EF4-FFF2-40B4-BE49-F238E27FC236}">
-                <a16:creationId xmlns:a16="http://schemas.microsoft.com/office/drawing/2014/main" id="{5E050920-5C3D-13C0-AF20-BB44D213A6C7}"/>
+                <a16:creationId xmlns:a16="http://schemas.microsoft.com/office/drawing/2014/main" id="{74EF30D6-EC1D-76F1-D1CF-A819639554B5}"/>
               </a:ext>
             </a:extLst>
           </p:cNvPr>
@@ -2062,7 +2062,7 @@
           <a:bodyPr/>
           <a:lstStyle/>
           <a:p>
-            <a:fld id="{CD6ED553-C7CE-4350-B3E3-8634798BD6B5}" type="datetimeFigureOut">
+            <a:fld id="{A613A950-08F0-4569-B01B-3CD41771CA39}" type="datetimeFigureOut">
               <a:rPr lang="zh-CN" altLang="en-US" smtClean="0"/>
               <a:t>2024/3/10</a:t>
             </a:fld>
@@ -2075,7 +2075,7 @@
           <p:cNvPr id="3" name="页脚占位符 2">
             <a:extLst>
               <a:ext uri="{FF2B5EF4-FFF2-40B4-BE49-F238E27FC236}">
-                <a16:creationId xmlns:a16="http://schemas.microsoft.com/office/drawing/2014/main" id="{F8EC0C14-340C-90F6-E4E2-577004F59F8D}"/>
+                <a16:creationId xmlns:a16="http://schemas.microsoft.com/office/drawing/2014/main" id="{657AE54B-385D-1E82-AC90-5EC20CDFDF4F}"/>
               </a:ext>
             </a:extLst>
           </p:cNvPr>
@@ -2100,7 +2100,7 @@
           <p:cNvPr id="4" name="灯片编号占位符 3">
             <a:extLst>
               <a:ext uri="{FF2B5EF4-FFF2-40B4-BE49-F238E27FC236}">
-                <a16:creationId xmlns:a16="http://schemas.microsoft.com/office/drawing/2014/main" id="{4777664A-33A1-A419-E006-E20045A94297}"/>
+                <a16:creationId xmlns:a16="http://schemas.microsoft.com/office/drawing/2014/main" id="{B42B2F04-4841-0861-08A7-571E1151751D}"/>
               </a:ext>
             </a:extLst>
           </p:cNvPr>
@@ -2116,7 +2116,7 @@
           <a:bodyPr/>
           <a:lstStyle/>
           <a:p>
-            <a:fld id="{377AD750-A014-430F-9A57-2779E17AFEC1}" type="slidenum">
+            <a:fld id="{B07B7306-877A-470C-A301-038763B79A2B}" type="slidenum">
               <a:rPr lang="zh-CN" altLang="en-US" smtClean="0"/>
               <a:t>‹#›</a:t>
             </a:fld>
@@ -2127,7 +2127,7 @@
     </p:spTree>
     <p:extLst>
       <p:ext uri="{BB962C8B-B14F-4D97-AF65-F5344CB8AC3E}">
-        <p14:creationId xmlns:p14="http://schemas.microsoft.com/office/powerpoint/2010/main" val="3564052588"/>
+        <p14:creationId xmlns:p14="http://schemas.microsoft.com/office/powerpoint/2010/main" val="1668405268"/>
       </p:ext>
     </p:extLst>
   </p:cSld>
@@ -2159,7 +2159,7 @@
           <p:cNvPr id="2" name="标题 1">
             <a:extLst>
               <a:ext uri="{FF2B5EF4-FFF2-40B4-BE49-F238E27FC236}">
-                <a16:creationId xmlns:a16="http://schemas.microsoft.com/office/drawing/2014/main" id="{DF945EA2-1182-E680-24BA-9D1C84CAFDCA}"/>
+                <a16:creationId xmlns:a16="http://schemas.microsoft.com/office/drawing/2014/main" id="{205A9232-68D2-CCBB-2C6E-518690EC4F83}"/>
               </a:ext>
             </a:extLst>
           </p:cNvPr>
@@ -2196,7 +2196,7 @@
           <p:cNvPr id="3" name="内容占位符 2">
             <a:extLst>
               <a:ext uri="{FF2B5EF4-FFF2-40B4-BE49-F238E27FC236}">
-                <a16:creationId xmlns:a16="http://schemas.microsoft.com/office/drawing/2014/main" id="{41BBF1ED-0A26-5F81-9997-343D3535FD81}"/>
+                <a16:creationId xmlns:a16="http://schemas.microsoft.com/office/drawing/2014/main" id="{95DF9A13-4A21-A126-330C-46535D551DC5}"/>
               </a:ext>
             </a:extLst>
           </p:cNvPr>
@@ -2286,7 +2286,7 @@
           <p:cNvPr id="4" name="文本占位符 3">
             <a:extLst>
               <a:ext uri="{FF2B5EF4-FFF2-40B4-BE49-F238E27FC236}">
-                <a16:creationId xmlns:a16="http://schemas.microsoft.com/office/drawing/2014/main" id="{F809A9FE-DE6F-50A6-E2D7-97F90C6B7B31}"/>
+                <a16:creationId xmlns:a16="http://schemas.microsoft.com/office/drawing/2014/main" id="{7924D052-C84B-5165-9A59-F2B0EEF3B589}"/>
               </a:ext>
             </a:extLst>
           </p:cNvPr>
@@ -2357,7 +2357,7 @@
           <p:cNvPr id="5" name="日期占位符 4">
             <a:extLst>
               <a:ext uri="{FF2B5EF4-FFF2-40B4-BE49-F238E27FC236}">
-                <a16:creationId xmlns:a16="http://schemas.microsoft.com/office/drawing/2014/main" id="{AF26C81F-21FF-51F5-3AFD-912AB7F0AD86}"/>
+                <a16:creationId xmlns:a16="http://schemas.microsoft.com/office/drawing/2014/main" id="{F5805BAD-3D8C-0288-C9BD-77A7DCAF67E9}"/>
               </a:ext>
             </a:extLst>
           </p:cNvPr>
@@ -2373,7 +2373,7 @@
           <a:bodyPr/>
           <a:lstStyle/>
           <a:p>
-            <a:fld id="{CD6ED553-C7CE-4350-B3E3-8634798BD6B5}" type="datetimeFigureOut">
+            <a:fld id="{A613A950-08F0-4569-B01B-3CD41771CA39}" type="datetimeFigureOut">
               <a:rPr lang="zh-CN" altLang="en-US" smtClean="0"/>
               <a:t>2024/3/10</a:t>
             </a:fld>
@@ -2386,7 +2386,7 @@
           <p:cNvPr id="6" name="页脚占位符 5">
             <a:extLst>
               <a:ext uri="{FF2B5EF4-FFF2-40B4-BE49-F238E27FC236}">
-                <a16:creationId xmlns:a16="http://schemas.microsoft.com/office/drawing/2014/main" id="{BA28559A-851E-6E2E-A49C-7C78F96336D2}"/>
+                <a16:creationId xmlns:a16="http://schemas.microsoft.com/office/drawing/2014/main" id="{4B28CAE9-82B1-4C66-3C67-ACA2354892F2}"/>
               </a:ext>
             </a:extLst>
           </p:cNvPr>
@@ -2411,7 +2411,7 @@
           <p:cNvPr id="7" name="灯片编号占位符 6">
             <a:extLst>
               <a:ext uri="{FF2B5EF4-FFF2-40B4-BE49-F238E27FC236}">
-                <a16:creationId xmlns:a16="http://schemas.microsoft.com/office/drawing/2014/main" id="{5DA84FC0-095D-3975-A12A-A96774C860C5}"/>
+                <a16:creationId xmlns:a16="http://schemas.microsoft.com/office/drawing/2014/main" id="{50B3C6F5-564D-4F50-9D9E-052A3BE06E99}"/>
               </a:ext>
             </a:extLst>
           </p:cNvPr>
@@ -2427,7 +2427,7 @@
           <a:bodyPr/>
           <a:lstStyle/>
           <a:p>
-            <a:fld id="{377AD750-A014-430F-9A57-2779E17AFEC1}" type="slidenum">
+            <a:fld id="{B07B7306-877A-470C-A301-038763B79A2B}" type="slidenum">
               <a:rPr lang="zh-CN" altLang="en-US" smtClean="0"/>
               <a:t>‹#›</a:t>
             </a:fld>
@@ -2438,7 +2438,7 @@
     </p:spTree>
     <p:extLst>
       <p:ext uri="{BB962C8B-B14F-4D97-AF65-F5344CB8AC3E}">
-        <p14:creationId xmlns:p14="http://schemas.microsoft.com/office/powerpoint/2010/main" val="635719933"/>
+        <p14:creationId xmlns:p14="http://schemas.microsoft.com/office/powerpoint/2010/main" val="185135340"/>
       </p:ext>
     </p:extLst>
   </p:cSld>
@@ -2470,7 +2470,7 @@
           <p:cNvPr id="2" name="标题 1">
             <a:extLst>
               <a:ext uri="{FF2B5EF4-FFF2-40B4-BE49-F238E27FC236}">
-                <a16:creationId xmlns:a16="http://schemas.microsoft.com/office/drawing/2014/main" id="{C51DC934-54FD-6C65-D5E5-2AF7351A514F}"/>
+                <a16:creationId xmlns:a16="http://schemas.microsoft.com/office/drawing/2014/main" id="{C929BFE5-B41D-EFE4-241D-91DE63DFB0AC}"/>
               </a:ext>
             </a:extLst>
           </p:cNvPr>
@@ -2507,7 +2507,7 @@
           <p:cNvPr id="3" name="图片占位符 2">
             <a:extLst>
               <a:ext uri="{FF2B5EF4-FFF2-40B4-BE49-F238E27FC236}">
-                <a16:creationId xmlns:a16="http://schemas.microsoft.com/office/drawing/2014/main" id="{33DA2576-B570-DE63-86F8-B63CE3CA3A72}"/>
+                <a16:creationId xmlns:a16="http://schemas.microsoft.com/office/drawing/2014/main" id="{F212D1D6-841B-1D65-4FF7-FA591401BE56}"/>
               </a:ext>
             </a:extLst>
           </p:cNvPr>
@@ -2574,7 +2574,7 @@
           <p:cNvPr id="4" name="文本占位符 3">
             <a:extLst>
               <a:ext uri="{FF2B5EF4-FFF2-40B4-BE49-F238E27FC236}">
-                <a16:creationId xmlns:a16="http://schemas.microsoft.com/office/drawing/2014/main" id="{EBBD13E1-129D-E349-F620-B180E3715EBB}"/>
+                <a16:creationId xmlns:a16="http://schemas.microsoft.com/office/drawing/2014/main" id="{041AAD87-3961-116F-2B6F-6655A89753FC}"/>
               </a:ext>
             </a:extLst>
           </p:cNvPr>
@@ -2645,7 +2645,7 @@
           <p:cNvPr id="5" name="日期占位符 4">
             <a:extLst>
               <a:ext uri="{FF2B5EF4-FFF2-40B4-BE49-F238E27FC236}">
-                <a16:creationId xmlns:a16="http://schemas.microsoft.com/office/drawing/2014/main" id="{558FE065-7C83-58DF-0AB5-7957F88FE6F3}"/>
+                <a16:creationId xmlns:a16="http://schemas.microsoft.com/office/drawing/2014/main" id="{8E30DE51-4C2A-9526-3EE8-8FE0297A9BA9}"/>
               </a:ext>
             </a:extLst>
           </p:cNvPr>
@@ -2661,7 +2661,7 @@
           <a:bodyPr/>
           <a:lstStyle/>
           <a:p>
-            <a:fld id="{CD6ED553-C7CE-4350-B3E3-8634798BD6B5}" type="datetimeFigureOut">
+            <a:fld id="{A613A950-08F0-4569-B01B-3CD41771CA39}" type="datetimeFigureOut">
               <a:rPr lang="zh-CN" altLang="en-US" smtClean="0"/>
               <a:t>2024/3/10</a:t>
             </a:fld>
@@ -2674,7 +2674,7 @@
           <p:cNvPr id="6" name="页脚占位符 5">
             <a:extLst>
               <a:ext uri="{FF2B5EF4-FFF2-40B4-BE49-F238E27FC236}">
-                <a16:creationId xmlns:a16="http://schemas.microsoft.com/office/drawing/2014/main" id="{6B192BEA-B73C-613B-AAD7-01331C1C9498}"/>
+                <a16:creationId xmlns:a16="http://schemas.microsoft.com/office/drawing/2014/main" id="{F2FD73F3-B6E6-9463-A6A0-97202833BA56}"/>
               </a:ext>
             </a:extLst>
           </p:cNvPr>
@@ -2699,7 +2699,7 @@
           <p:cNvPr id="7" name="灯片编号占位符 6">
             <a:extLst>
               <a:ext uri="{FF2B5EF4-FFF2-40B4-BE49-F238E27FC236}">
-                <a16:creationId xmlns:a16="http://schemas.microsoft.com/office/drawing/2014/main" id="{9FB2347E-7CBD-C0FC-38B8-332061AF60A2}"/>
+                <a16:creationId xmlns:a16="http://schemas.microsoft.com/office/drawing/2014/main" id="{83DBE0E1-A3B1-AC1C-F0E2-140C82D47DC6}"/>
               </a:ext>
             </a:extLst>
           </p:cNvPr>
@@ -2715,7 +2715,7 @@
           <a:bodyPr/>
           <a:lstStyle/>
           <a:p>
-            <a:fld id="{377AD750-A014-430F-9A57-2779E17AFEC1}" type="slidenum">
+            <a:fld id="{B07B7306-877A-470C-A301-038763B79A2B}" type="slidenum">
               <a:rPr lang="zh-CN" altLang="en-US" smtClean="0"/>
               <a:t>‹#›</a:t>
             </a:fld>
@@ -2726,7 +2726,7 @@
     </p:spTree>
     <p:extLst>
       <p:ext uri="{BB962C8B-B14F-4D97-AF65-F5344CB8AC3E}">
-        <p14:creationId xmlns:p14="http://schemas.microsoft.com/office/powerpoint/2010/main" val="525446908"/>
+        <p14:creationId xmlns:p14="http://schemas.microsoft.com/office/powerpoint/2010/main" val="3046972037"/>
       </p:ext>
     </p:extLst>
   </p:cSld>
@@ -2763,7 +2763,7 @@
           <p:cNvPr id="2" name="标题占位符 1">
             <a:extLst>
               <a:ext uri="{FF2B5EF4-FFF2-40B4-BE49-F238E27FC236}">
-                <a16:creationId xmlns:a16="http://schemas.microsoft.com/office/drawing/2014/main" id="{58F85B81-C56C-CC49-EDFD-A20F9210508B}"/>
+                <a16:creationId xmlns:a16="http://schemas.microsoft.com/office/drawing/2014/main" id="{D248039A-B143-67A5-E3E4-0630226AF554}"/>
               </a:ext>
             </a:extLst>
           </p:cNvPr>
@@ -2801,7 +2801,7 @@
           <p:cNvPr id="3" name="文本占位符 2">
             <a:extLst>
               <a:ext uri="{FF2B5EF4-FFF2-40B4-BE49-F238E27FC236}">
-                <a16:creationId xmlns:a16="http://schemas.microsoft.com/office/drawing/2014/main" id="{A5D7BC3C-CE91-00F6-FB05-6C52CD1C716B}"/>
+                <a16:creationId xmlns:a16="http://schemas.microsoft.com/office/drawing/2014/main" id="{9829C047-64BB-D361-E69A-98F411850389}"/>
               </a:ext>
             </a:extLst>
           </p:cNvPr>
@@ -2868,7 +2868,7 @@
           <p:cNvPr id="4" name="日期占位符 3">
             <a:extLst>
               <a:ext uri="{FF2B5EF4-FFF2-40B4-BE49-F238E27FC236}">
-                <a16:creationId xmlns:a16="http://schemas.microsoft.com/office/drawing/2014/main" id="{817DEF76-2503-E268-8759-67F4CC12C709}"/>
+                <a16:creationId xmlns:a16="http://schemas.microsoft.com/office/drawing/2014/main" id="{F78AA6DF-B16B-AA78-97FB-D2068084B39D}"/>
               </a:ext>
             </a:extLst>
           </p:cNvPr>
@@ -2902,7 +2902,7 @@
             </a:lvl1pPr>
           </a:lstStyle>
           <a:p>
-            <a:fld id="{CD6ED553-C7CE-4350-B3E3-8634798BD6B5}" type="datetimeFigureOut">
+            <a:fld id="{A613A950-08F0-4569-B01B-3CD41771CA39}" type="datetimeFigureOut">
               <a:rPr lang="zh-CN" altLang="en-US" smtClean="0"/>
               <a:t>2024/3/10</a:t>
             </a:fld>
@@ -2915,7 +2915,7 @@
           <p:cNvPr id="5" name="页脚占位符 4">
             <a:extLst>
               <a:ext uri="{FF2B5EF4-FFF2-40B4-BE49-F238E27FC236}">
-                <a16:creationId xmlns:a16="http://schemas.microsoft.com/office/drawing/2014/main" id="{F6326CD7-B847-B60F-6844-2930B4C9B13E}"/>
+                <a16:creationId xmlns:a16="http://schemas.microsoft.com/office/drawing/2014/main" id="{B4ECBBE8-6B50-3D22-6675-7209E400B90C}"/>
               </a:ext>
             </a:extLst>
           </p:cNvPr>
@@ -2958,7 +2958,7 @@
           <p:cNvPr id="6" name="灯片编号占位符 5">
             <a:extLst>
               <a:ext uri="{FF2B5EF4-FFF2-40B4-BE49-F238E27FC236}">
-                <a16:creationId xmlns:a16="http://schemas.microsoft.com/office/drawing/2014/main" id="{FB6FB116-7820-595A-22B3-3C516D17420E}"/>
+                <a16:creationId xmlns:a16="http://schemas.microsoft.com/office/drawing/2014/main" id="{CD4DBB66-ADCE-3027-7D08-5A5C33173D6A}"/>
               </a:ext>
             </a:extLst>
           </p:cNvPr>
@@ -2992,7 +2992,7 @@
             </a:lvl1pPr>
           </a:lstStyle>
           <a:p>
-            <a:fld id="{377AD750-A014-430F-9A57-2779E17AFEC1}" type="slidenum">
+            <a:fld id="{B07B7306-877A-470C-A301-038763B79A2B}" type="slidenum">
               <a:rPr lang="zh-CN" altLang="en-US" smtClean="0"/>
               <a:t>‹#›</a:t>
             </a:fld>
@@ -3003,7 +3003,7 @@
     </p:spTree>
     <p:extLst>
       <p:ext uri="{BB962C8B-B14F-4D97-AF65-F5344CB8AC3E}">
-        <p14:creationId xmlns:p14="http://schemas.microsoft.com/office/powerpoint/2010/main" val="3367381527"/>
+        <p14:creationId xmlns:p14="http://schemas.microsoft.com/office/powerpoint/2010/main" val="3004356715"/>
       </p:ext>
     </p:extLst>
   </p:cSld>
